--- a/Presentation/California_WildFire.pptx
+++ b/Presentation/California_WildFire.pptx
@@ -15647,7 +15647,7 @@
           <a:p>
             <a:fld id="{DBDEE182-F0D2-1F44-A2A1-A91D55E8ED9C}" type="datetimeFigureOut">
               <a:rPr lang="en-US" smtClean="0"/>
-              <a:t>9/11/21</a:t>
+              <a:t>9/12/21</a:t>
             </a:fld>
             <a:endParaRPr lang="en-US"/>
           </a:p>
@@ -16747,7 +16747,7 @@
           <a:p>
             <a:fld id="{F8D5739C-8F15-4B09-A664-503F991560C0}" type="datetime1">
               <a:rPr lang="en-US" smtClean="0"/>
-              <a:t>9/11/21</a:t>
+              <a:t>9/12/21</a:t>
             </a:fld>
             <a:endParaRPr lang="en-US" dirty="0"/>
           </a:p>
@@ -17014,7 +17014,7 @@
           <a:p>
             <a:fld id="{D25C618E-0CB5-4159-A780-DF8A4C7805EA}" type="datetime1">
               <a:rPr lang="en-US" smtClean="0"/>
-              <a:t>9/11/21</a:t>
+              <a:t>9/12/21</a:t>
             </a:fld>
             <a:endParaRPr lang="en-US" dirty="0"/>
           </a:p>
@@ -17254,7 +17254,7 @@
           <a:p>
             <a:fld id="{FF0C4F16-E96A-459C-BDCE-57C307EDD15A}" type="datetime1">
               <a:rPr lang="en-US" smtClean="0"/>
-              <a:t>9/11/21</a:t>
+              <a:t>9/12/21</a:t>
             </a:fld>
             <a:endParaRPr lang="en-US" dirty="0"/>
           </a:p>
@@ -17499,7 +17499,7 @@
           <a:p>
             <a:fld id="{396E9398-FE27-4913-A677-1C37FAEEC5BE}" type="datetime1">
               <a:rPr lang="en-US" smtClean="0"/>
-              <a:t>9/11/21</a:t>
+              <a:t>9/12/21</a:t>
             </a:fld>
             <a:endParaRPr lang="en-US" dirty="0"/>
           </a:p>
@@ -17811,7 +17811,7 @@
           <a:p>
             <a:fld id="{CCAADFD7-0354-40D6-8040-CCF75AB1696D}" type="datetime1">
               <a:rPr lang="en-US" smtClean="0"/>
-              <a:t>9/11/21</a:t>
+              <a:t>9/12/21</a:t>
             </a:fld>
             <a:endParaRPr lang="en-US" dirty="0"/>
           </a:p>
@@ -18118,7 +18118,7 @@
           <a:p>
             <a:fld id="{C3E31D8C-B2B7-45FF-B25D-FD4C1A5547C7}" type="datetime1">
               <a:rPr lang="en-US" smtClean="0"/>
-              <a:t>9/11/21</a:t>
+              <a:t>9/12/21</a:t>
             </a:fld>
             <a:endParaRPr lang="en-US" dirty="0"/>
           </a:p>
@@ -18545,7 +18545,7 @@
           <a:p>
             <a:fld id="{E8BF1D18-0668-440D-B3E0-9BAEF7C7A3CC}" type="datetime1">
               <a:rPr lang="en-US" smtClean="0"/>
-              <a:t>9/11/21</a:t>
+              <a:t>9/12/21</a:t>
             </a:fld>
             <a:endParaRPr lang="en-US" dirty="0"/>
           </a:p>
@@ -18712,7 +18712,7 @@
           <a:p>
             <a:fld id="{964142A7-0285-400A-A35A-737D124E4414}" type="datetime1">
               <a:rPr lang="en-US" smtClean="0"/>
-              <a:t>9/11/21</a:t>
+              <a:t>9/12/21</a:t>
             </a:fld>
             <a:endParaRPr lang="en-US" dirty="0"/>
           </a:p>
@@ -18812,7 +18812,7 @@
           <a:p>
             <a:fld id="{DC7C5446-B65A-45A4-9CA3-8D93338D9BFA}" type="datetime1">
               <a:rPr lang="en-US" smtClean="0"/>
-              <a:t>9/11/21</a:t>
+              <a:t>9/12/21</a:t>
             </a:fld>
             <a:endParaRPr lang="en-US" dirty="0"/>
           </a:p>
@@ -19195,7 +19195,7 @@
           <a:p>
             <a:fld id="{830A1C50-7042-4FDC-9F55-0271E963D1B0}" type="datetime1">
               <a:rPr lang="en-US" smtClean="0"/>
-              <a:t>9/11/21</a:t>
+              <a:t>9/12/21</a:t>
             </a:fld>
             <a:endParaRPr lang="en-US" dirty="0"/>
           </a:p>
@@ -19489,7 +19489,7 @@
           <a:p>
             <a:fld id="{7D3AD71C-27E6-4745-99D5-61BDBCC22323}" type="datetime1">
               <a:rPr lang="en-US" smtClean="0"/>
-              <a:t>9/11/21</a:t>
+              <a:t>9/12/21</a:t>
             </a:fld>
             <a:endParaRPr lang="en-US" dirty="0"/>
           </a:p>
@@ -19705,7 +19705,7 @@
           <a:p>
             <a:fld id="{A84B067E-D7DC-4BCD-9FBA-F3768A60ACCE}" type="datetime1">
               <a:rPr lang="en-US" smtClean="0"/>
-              <a:t>9/11/21</a:t>
+              <a:t>9/12/21</a:t>
             </a:fld>
             <a:endParaRPr lang="en-US" dirty="0"/>
           </a:p>
@@ -20831,7 +20831,7 @@
           <a:p>
             <a:fld id="{B94667EC-E548-410A-AB5D-DCA25AA9D6AA}" type="datetime1">
               <a:rPr lang="en-US" smtClean="0"/>
-              <a:t>9/11/21</a:t>
+              <a:t>9/12/21</a:t>
             </a:fld>
             <a:endParaRPr lang="en-US" dirty="0"/>
           </a:p>
@@ -20977,7 +20977,7 @@
           <a:p>
             <a:fld id="{BF7EF2D3-3FF3-42C6-97C6-2DAB114F5BAD}" type="datetime1">
               <a:rPr lang="en-US" smtClean="0"/>
-              <a:t>9/11/21</a:t>
+              <a:t>9/12/21</a:t>
             </a:fld>
             <a:endParaRPr lang="en-US" dirty="0"/>
           </a:p>
@@ -21120,7 +21120,7 @@
           <a:p>
             <a:fld id="{EC31C021-0DC6-45BA-BF8E-91EF1EDA8064}" type="datetime1">
               <a:rPr lang="en-US" smtClean="0"/>
-              <a:t>9/11/21</a:t>
+              <a:t>9/12/21</a:t>
             </a:fld>
             <a:endParaRPr lang="en-US" dirty="0"/>
           </a:p>
@@ -21414,7 +21414,7 @@
         </p:nvSpPr>
         <p:spPr>
           <a:xfrm>
-            <a:off x="1579033" y="588433"/>
+            <a:off x="1645416" y="666572"/>
             <a:ext cx="8805334" cy="681567"/>
           </a:xfrm>
           <a:prstGeom prst="roundRect">
@@ -21539,7 +21539,7 @@
           <a:p>
             <a:fld id="{4F2D739F-8388-4AC4-99D4-3380706D74A1}" type="datetime1">
               <a:rPr lang="en-US" smtClean="0"/>
-              <a:t>9/11/21</a:t>
+              <a:t>9/12/21</a:t>
             </a:fld>
             <a:endParaRPr lang="en-US" dirty="0"/>
           </a:p>
@@ -21762,7 +21762,7 @@
           <a:p>
             <a:fld id="{B8223A23-141C-4699-9312-1C07FDA1D35E}" type="datetime1">
               <a:rPr lang="en-US" smtClean="0"/>
-              <a:t>9/11/21</a:t>
+              <a:t>9/12/21</a:t>
             </a:fld>
             <a:endParaRPr lang="en-US" dirty="0"/>
           </a:p>
